--- a/output/testing_report.pptx
+++ b/output/testing_report.pptx
@@ -4063,7 +4063,30 @@
             </a:pPr>
             <a:r>
               <a:rPr lang="en-US" dirty="0"/>
-              <a:t> pre-requisites </a:t>
+              <a:t> </a:t>
+            </a:r>
+            <a:r>
+              <a:rPr lang="en-US" dirty="0">
+                <a:solidFill>
+                  <a:schemeClr val="accent1"/>
+                </a:solidFill>
+                <a:hlinkClick r:id="rId2" action="ppaction://hlinksldjump">
+                  <a:extLst>
+                    <a:ext uri="{A12FA001-AC4F-418D-AE19-62706E023703}">
+                      <ahyp:hlinkClr xmlns:ahyp="http://schemas.microsoft.com/office/drawing/2018/hyperlinkcolor" val="tx"/>
+                    </a:ext>
+                  </a:extLst>
+                </a:hlinkClick>
+              </a:rPr>
+              <a:t>pre-requisites</a:t>
+            </a:r>
+            <a:r>
+              <a:rPr lang="en-US" dirty="0">
+                <a:solidFill>
+                  <a:schemeClr val="accent1"/>
+                </a:solidFill>
+              </a:rPr>
+              <a:t> </a:t>
             </a:r>
           </a:p>
           <a:p>
@@ -4072,9 +4095,33 @@
               <a:buChar char="§"/>
             </a:pPr>
             <a:r>
-              <a:rPr lang="en-US" dirty="0"/>
+              <a:rPr lang="en-US" dirty="0">
+                <a:solidFill>
+                  <a:srgbClr val="6EAC1C"/>
+                </a:solidFill>
+              </a:rPr>
+              <a:t> </a:t>
+            </a:r>
+            <a:r>
+              <a:rPr lang="en-US" u="sng" dirty="0">
+                <a:solidFill>
+                  <a:schemeClr val="accent1"/>
+                </a:solidFill>
+                <a:hlinkClick r:id="rId3" action="ppaction://hlinksldjump">
+                  <a:extLst>
+                    <a:ext uri="{A12FA001-AC4F-418D-AE19-62706E023703}">
+                      <ahyp:hlinkClr xmlns:ahyp="http://schemas.microsoft.com/office/drawing/2018/hyperlinkcolor" val="tx"/>
+                    </a:ext>
+                  </a:extLst>
+                </a:hlinkClick>
+              </a:rPr>
               <a:t>deposit</a:t>
             </a:r>
+            <a:endParaRPr lang="en-US" u="sng" dirty="0">
+              <a:solidFill>
+                <a:schemeClr val="accent1"/>
+              </a:solidFill>
+            </a:endParaRPr>
           </a:p>
           <a:p>
             <a:pPr>
@@ -4082,9 +4129,33 @@
               <a:buChar char="§"/>
             </a:pPr>
             <a:r>
-              <a:rPr lang="en-US" dirty="0"/>
-              <a:t> withdraw</a:t>
-            </a:r>
+              <a:rPr lang="en-US" dirty="0">
+                <a:solidFill>
+                  <a:schemeClr val="accent1"/>
+                </a:solidFill>
+              </a:rPr>
+              <a:t> </a:t>
+            </a:r>
+            <a:r>
+              <a:rPr lang="en-US" dirty="0">
+                <a:solidFill>
+                  <a:schemeClr val="accent1"/>
+                </a:solidFill>
+                <a:hlinkClick r:id="rId4" action="ppaction://hlinksldjump">
+                  <a:extLst>
+                    <a:ext uri="{A12FA001-AC4F-418D-AE19-62706E023703}">
+                      <ahyp:hlinkClr xmlns:ahyp="http://schemas.microsoft.com/office/drawing/2018/hyperlinkcolor" val="tx"/>
+                    </a:ext>
+                  </a:extLst>
+                </a:hlinkClick>
+              </a:rPr>
+              <a:t>withdraw</a:t>
+            </a:r>
+            <a:endParaRPr lang="en-US" dirty="0">
+              <a:solidFill>
+                <a:schemeClr val="accent1"/>
+              </a:solidFill>
+            </a:endParaRPr>
           </a:p>
           <a:p>
             <a:pPr>
@@ -4092,9 +4163,33 @@
               <a:buChar char="§"/>
             </a:pPr>
             <a:r>
-              <a:rPr lang="en-US" dirty="0"/>
-              <a:t> withdrawmemo</a:t>
-            </a:r>
+              <a:rPr lang="en-US" dirty="0">
+                <a:solidFill>
+                  <a:schemeClr val="accent1"/>
+                </a:solidFill>
+              </a:rPr>
+              <a:t> </a:t>
+            </a:r>
+            <a:r>
+              <a:rPr lang="en-US" dirty="0">
+                <a:solidFill>
+                  <a:schemeClr val="accent1"/>
+                </a:solidFill>
+                <a:hlinkClick r:id="rId5" action="ppaction://hlinksldjump">
+                  <a:extLst>
+                    <a:ext uri="{A12FA001-AC4F-418D-AE19-62706E023703}">
+                      <ahyp:hlinkClr xmlns:ahyp="http://schemas.microsoft.com/office/drawing/2018/hyperlinkcolor" val="tx"/>
+                    </a:ext>
+                  </a:extLst>
+                </a:hlinkClick>
+              </a:rPr>
+              <a:t>withdrawmemo</a:t>
+            </a:r>
+            <a:endParaRPr lang="en-US" dirty="0">
+              <a:solidFill>
+                <a:schemeClr val="accent1"/>
+              </a:solidFill>
+            </a:endParaRPr>
           </a:p>
           <a:p>
             <a:pPr>
@@ -4102,9 +4197,33 @@
               <a:buChar char="§"/>
             </a:pPr>
             <a:r>
-              <a:rPr lang="en-US" dirty="0"/>
-              <a:t> tip</a:t>
-            </a:r>
+              <a:rPr lang="en-US" dirty="0">
+                <a:solidFill>
+                  <a:schemeClr val="accent1"/>
+                </a:solidFill>
+              </a:rPr>
+              <a:t> </a:t>
+            </a:r>
+            <a:r>
+              <a:rPr lang="en-US" dirty="0">
+                <a:solidFill>
+                  <a:schemeClr val="accent1"/>
+                </a:solidFill>
+                <a:hlinkClick r:id="rId6" action="ppaction://hlinksldjump">
+                  <a:extLst>
+                    <a:ext uri="{A12FA001-AC4F-418D-AE19-62706E023703}">
+                      <ahyp:hlinkClr xmlns:ahyp="http://schemas.microsoft.com/office/drawing/2018/hyperlinkcolor" val="tx"/>
+                    </a:ext>
+                  </a:extLst>
+                </a:hlinkClick>
+              </a:rPr>
+              <a:t>tip</a:t>
+            </a:r>
+            <a:endParaRPr lang="en-US" dirty="0">
+              <a:solidFill>
+                <a:schemeClr val="accent1"/>
+              </a:solidFill>
+            </a:endParaRPr>
           </a:p>
           <a:p>
             <a:pPr>
@@ -4228,7 +4347,7 @@
         <p:spPr>
           <a:xfrm>
             <a:off x="433605" y="1113473"/>
-            <a:ext cx="11381173" cy="1631216"/>
+            <a:ext cx="11381173" cy="1323439"/>
           </a:xfrm>
           <a:prstGeom prst="rect">
             <a:avLst/>
@@ -4241,24 +4360,43 @@
           </a:bodyPr>
           <a:lstStyle/>
           <a:p>
-            <a:pPr marL="285750" indent="-285750">
+            <a:pPr marL="285750" indent="-285750" algn="just">
               <a:buFont typeface="Arial" panose="020B0604020202020204" pitchFamily="34" charset="0"/>
               <a:buChar char="•"/>
             </a:pPr>
             <a:r>
               <a:rPr lang="en-US" sz="2000" dirty="0"/>
-              <a:t>For testing purpose, donating some tokens (5 EOS, 3 FUTBOL) to “</a:t>
-            </a:r>
-            <a:r>
-              <a:rPr lang="en-US" sz="2000" dirty="0" err="1"/>
-              <a:t>telegram_id</a:t>
+              <a:t>For testing purpose, </a:t>
+            </a:r>
+            <a:r>
+              <a:rPr lang="en-US" sz="2000" b="1" dirty="0"/>
+              <a:t>“telegram_id – </a:t>
+            </a:r>
+            <a:r>
+              <a:rPr lang="en-US" sz="2000" b="1" dirty="0">
+                <a:solidFill>
+                  <a:schemeClr val="accent1"/>
+                </a:solidFill>
+              </a:rPr>
+              <a:t>145624324</a:t>
+            </a:r>
+            <a:r>
+              <a:rPr lang="en-US" sz="2000" b="1" dirty="0"/>
+              <a:t>”</a:t>
             </a:r>
             <a:r>
               <a:rPr lang="en-US" sz="2000" dirty="0"/>
-              <a:t> – </a:t>
-            </a:r>
-            <a:r>
-              <a:rPr lang="en-US" sz="2000" dirty="0">
+              <a:t> donate some tokens (5 EOS, 3 FUTBOL) to </a:t>
+            </a:r>
+          </a:p>
+          <a:p>
+            <a:pPr algn="just"/>
+            <a:r>
+              <a:rPr lang="en-US" sz="2000" b="1" dirty="0"/>
+              <a:t>“telegram_id – </a:t>
+            </a:r>
+            <a:r>
+              <a:rPr lang="en-US" sz="2000" b="1" dirty="0">
                 <a:solidFill>
                   <a:schemeClr val="accent1"/>
                 </a:solidFill>
@@ -4266,47 +4404,16 @@
               <a:t>410894301</a:t>
             </a:r>
             <a:r>
+              <a:rPr lang="en-US" sz="2000" b="1" dirty="0"/>
+              <a:t>”</a:t>
+            </a:r>
+            <a:r>
               <a:rPr lang="en-US" sz="2000" dirty="0"/>
-              <a:t>”</a:t>
-            </a:r>
-            <a:r>
-              <a:rPr lang="en-US" sz="2000" dirty="0">
-                <a:solidFill>
-                  <a:schemeClr val="accent1"/>
-                </a:solidFill>
-              </a:rPr>
-              <a:t> </a:t>
-            </a:r>
-            <a:r>
-              <a:rPr lang="en-US" sz="2000" dirty="0"/>
-              <a:t>by a “</a:t>
-            </a:r>
-            <a:r>
-              <a:rPr lang="en-US" sz="2000" dirty="0" err="1"/>
-              <a:t>telegram_id</a:t>
-            </a:r>
-            <a:r>
-              <a:rPr lang="en-US" sz="2000" dirty="0"/>
-              <a:t> – </a:t>
-            </a:r>
-            <a:r>
-              <a:rPr lang="en-US" sz="2000" dirty="0">
-                <a:solidFill>
-                  <a:schemeClr val="accent1"/>
-                </a:solidFill>
-              </a:rPr>
-              <a:t>145624324</a:t>
-            </a:r>
-            <a:r>
-              <a:rPr lang="en-US" sz="2000" dirty="0"/>
-              <a:t>”</a:t>
-            </a:r>
-          </a:p>
-          <a:p>
-            <a:endParaRPr lang="en-US" sz="2000" dirty="0"/>
-          </a:p>
-          <a:p>
-            <a:pPr marL="285750" indent="-285750">
+              <a:t>.</a:t>
+            </a:r>
+          </a:p>
+          <a:p>
+            <a:pPr marL="285750" indent="-285750" algn="just">
               <a:buFont typeface="Arial" panose="020B0604020202020204" pitchFamily="34" charset="0"/>
               <a:buChar char="•"/>
             </a:pPr>
@@ -4316,7 +4423,7 @@
             </a:r>
           </a:p>
           <a:p>
-            <a:pPr marL="342900" indent="-342900">
+            <a:pPr marL="342900" indent="-342900" algn="just">
               <a:buFont typeface="Arial" panose="020B0604020202020204" pitchFamily="34" charset="0"/>
               <a:buChar char="•"/>
             </a:pPr>
@@ -4768,7 +4875,7 @@
         </p:nvCxnSpPr>
         <p:spPr>
           <a:xfrm flipH="1">
-            <a:off x="4358938" y="465137"/>
+            <a:off x="4358938" y="482893"/>
             <a:ext cx="2" cy="3056361"/>
           </a:xfrm>
           <a:prstGeom prst="line">
@@ -5127,8 +5234,8 @@
         </p:nvGrpSpPr>
         <p:grpSpPr>
           <a:xfrm>
-            <a:off x="583478" y="839697"/>
-            <a:ext cx="3564133" cy="2619656"/>
+            <a:off x="171636" y="764632"/>
+            <a:ext cx="4102715" cy="2664366"/>
             <a:chOff x="2998201" y="1005630"/>
             <a:chExt cx="6195597" cy="4846740"/>
           </a:xfrm>
@@ -5596,7 +5703,7 @@
         </p:nvCxnSpPr>
         <p:spPr>
           <a:xfrm flipH="1">
-            <a:off x="4358938" y="465137"/>
+            <a:off x="4509861" y="482893"/>
             <a:ext cx="2" cy="3056361"/>
           </a:xfrm>
           <a:prstGeom prst="line">
@@ -5638,9 +5745,9 @@
           <p:nvPr/>
         </p:nvCxnSpPr>
         <p:spPr>
-          <a:xfrm>
-            <a:off x="0" y="3521498"/>
-            <a:ext cx="4358938" cy="0"/>
+          <a:xfrm flipV="1">
+            <a:off x="4509861" y="3521498"/>
+            <a:ext cx="0" cy="2760846"/>
           </a:xfrm>
           <a:prstGeom prst="line">
             <a:avLst/>
@@ -5757,7 +5864,7 @@
         </p:nvGrpSpPr>
         <p:grpSpPr>
           <a:xfrm>
-            <a:off x="799000" y="3587893"/>
+            <a:off x="4654627" y="595507"/>
             <a:ext cx="3710860" cy="2694458"/>
             <a:chOff x="2982959" y="990388"/>
             <a:chExt cx="6233700" cy="4877223"/>
@@ -5863,8 +5970,8 @@
         </p:nvGrpSpPr>
         <p:grpSpPr>
           <a:xfrm>
-            <a:off x="171636" y="764895"/>
-            <a:ext cx="3636878" cy="2690210"/>
+            <a:off x="88777" y="736847"/>
+            <a:ext cx="4340573" cy="3373514"/>
             <a:chOff x="2966681" y="1020871"/>
             <a:chExt cx="6257600" cy="4816257"/>
           </a:xfrm>
@@ -5969,8 +6076,8 @@
         </p:nvGrpSpPr>
         <p:grpSpPr>
           <a:xfrm>
-            <a:off x="4589718" y="651459"/>
-            <a:ext cx="3781874" cy="2679984"/>
+            <a:off x="8450781" y="575656"/>
+            <a:ext cx="3608101" cy="2734161"/>
             <a:chOff x="4589718" y="651459"/>
             <a:chExt cx="3781874" cy="2679984"/>
           </a:xfrm>
@@ -6062,112 +6169,6 @@
       </p:grpSp>
       <p:grpSp>
         <p:nvGrpSpPr>
-          <p:cNvPr id="45" name="Group 44">
-            <a:extLst>
-              <a:ext uri="{FF2B5EF4-FFF2-40B4-BE49-F238E27FC236}">
-                <a16:creationId xmlns:a16="http://schemas.microsoft.com/office/drawing/2014/main" id="{968270D1-6ECF-4D56-BC59-242FC7EB3947}"/>
-              </a:ext>
-            </a:extLst>
-          </p:cNvPr>
-          <p:cNvGrpSpPr/>
-          <p:nvPr/>
-        </p:nvGrpSpPr>
-        <p:grpSpPr>
-          <a:xfrm>
-            <a:off x="8456200" y="651459"/>
-            <a:ext cx="3639599" cy="2679984"/>
-            <a:chOff x="6809141" y="691534"/>
-            <a:chExt cx="6256564" cy="4816257"/>
-          </a:xfrm>
-        </p:grpSpPr>
-        <p:pic>
-          <p:nvPicPr>
-            <p:cNvPr id="44" name="Picture 43">
-              <a:extLst>
-                <a:ext uri="{FF2B5EF4-FFF2-40B4-BE49-F238E27FC236}">
-                  <a16:creationId xmlns:a16="http://schemas.microsoft.com/office/drawing/2014/main" id="{1133F80E-7539-4E9A-A3BE-859FFF55A8FF}"/>
-                </a:ext>
-              </a:extLst>
-            </p:cNvPr>
-            <p:cNvPicPr>
-              <a:picLocks noChangeAspect="1"/>
-            </p:cNvPicPr>
-            <p:nvPr/>
-          </p:nvPicPr>
-          <p:blipFill>
-            <a:blip r:embed="rId6"/>
-            <a:stretch>
-              <a:fillRect/>
-            </a:stretch>
-          </p:blipFill>
-          <p:spPr>
-            <a:xfrm>
-              <a:off x="6809143" y="691534"/>
-              <a:ext cx="6256562" cy="4816257"/>
-            </a:xfrm>
-            <a:prstGeom prst="rect">
-              <a:avLst/>
-            </a:prstGeom>
-          </p:spPr>
-        </p:pic>
-        <p:sp>
-          <p:nvSpPr>
-            <p:cNvPr id="49" name="Rectangle 48">
-              <a:extLst>
-                <a:ext uri="{FF2B5EF4-FFF2-40B4-BE49-F238E27FC236}">
-                  <a16:creationId xmlns:a16="http://schemas.microsoft.com/office/drawing/2014/main" id="{1EA94672-D0AA-4A3A-B3DC-A0122D62BE0B}"/>
-                </a:ext>
-              </a:extLst>
-            </p:cNvPr>
-            <p:cNvSpPr/>
-            <p:nvPr/>
-          </p:nvSpPr>
-          <p:spPr>
-            <a:xfrm>
-              <a:off x="6809141" y="1350209"/>
-              <a:ext cx="6256540" cy="2616908"/>
-            </a:xfrm>
-            <a:prstGeom prst="rect">
-              <a:avLst/>
-            </a:prstGeom>
-            <a:blipFill>
-              <a:blip r:embed="rId3">
-                <a:alphaModFix amt="50000"/>
-              </a:blip>
-              <a:tile tx="0" ty="0" sx="100000" sy="100000" flip="none" algn="tl"/>
-            </a:blipFill>
-            <a:ln>
-              <a:noFill/>
-            </a:ln>
-          </p:spPr>
-          <p:style>
-            <a:lnRef idx="2">
-              <a:schemeClr val="accent1">
-                <a:shade val="50000"/>
-              </a:schemeClr>
-            </a:lnRef>
-            <a:fillRef idx="1">
-              <a:schemeClr val="accent1"/>
-            </a:fillRef>
-            <a:effectRef idx="0">
-              <a:schemeClr val="accent1"/>
-            </a:effectRef>
-            <a:fontRef idx="minor">
-              <a:schemeClr val="lt1"/>
-            </a:fontRef>
-          </p:style>
-          <p:txBody>
-            <a:bodyPr rtlCol="0" anchor="ctr"/>
-            <a:lstStyle/>
-            <a:p>
-              <a:pPr algn="ctr"/>
-              <a:endParaRPr lang="en-US"/>
-            </a:p>
-          </p:txBody>
-        </p:sp>
-      </p:grpSp>
-      <p:grpSp>
-        <p:nvGrpSpPr>
           <p:cNvPr id="53" name="Group 52">
             <a:extLst>
               <a:ext uri="{FF2B5EF4-FFF2-40B4-BE49-F238E27FC236}">
@@ -6201,7 +6202,7 @@
             <p:nvPr/>
           </p:nvPicPr>
           <p:blipFill>
-            <a:blip r:embed="rId7"/>
+            <a:blip r:embed="rId6"/>
             <a:stretch>
               <a:fillRect/>
             </a:stretch>
@@ -6307,7 +6308,7 @@
             <p:nvPr/>
           </p:nvPicPr>
           <p:blipFill>
-            <a:blip r:embed="rId8"/>
+            <a:blip r:embed="rId7"/>
             <a:stretch>
               <a:fillRect/>
             </a:stretch>
@@ -6500,7 +6501,7 @@
         </p:nvCxnSpPr>
         <p:spPr>
           <a:xfrm flipH="1">
-            <a:off x="4358938" y="465137"/>
+            <a:off x="4634148" y="482893"/>
             <a:ext cx="2" cy="3056361"/>
           </a:xfrm>
           <a:prstGeom prst="line">
@@ -6542,9 +6543,9 @@
           <p:nvPr/>
         </p:nvCxnSpPr>
         <p:spPr>
-          <a:xfrm>
-            <a:off x="0" y="3521498"/>
-            <a:ext cx="4358938" cy="0"/>
+          <a:xfrm flipV="1">
+            <a:off x="4634148" y="3521498"/>
+            <a:ext cx="0" cy="2760846"/>
           </a:xfrm>
           <a:prstGeom prst="line">
             <a:avLst/>
@@ -6644,10 +6645,10 @@
       </p:sp>
       <p:grpSp>
         <p:nvGrpSpPr>
-          <p:cNvPr id="9" name="Group 8">
+          <p:cNvPr id="10" name="Group 9">
             <a:extLst>
               <a:ext uri="{FF2B5EF4-FFF2-40B4-BE49-F238E27FC236}">
-                <a16:creationId xmlns:a16="http://schemas.microsoft.com/office/drawing/2014/main" id="{E94BAE12-36AA-4DCA-AD81-3513E88AE397}"/>
+                <a16:creationId xmlns:a16="http://schemas.microsoft.com/office/drawing/2014/main" id="{1F66C88A-B242-4AD5-882B-D9FA33EFC7DE}"/>
               </a:ext>
             </a:extLst>
           </p:cNvPr>
@@ -6656,18 +6657,18 @@
         </p:nvGrpSpPr>
         <p:grpSpPr>
           <a:xfrm>
-            <a:off x="799000" y="3587893"/>
-            <a:ext cx="3710860" cy="2694458"/>
-            <a:chOff x="2982959" y="990388"/>
-            <a:chExt cx="6233700" cy="4877223"/>
+            <a:off x="91738" y="836787"/>
+            <a:ext cx="4457768" cy="3433372"/>
+            <a:chOff x="2967719" y="1039923"/>
+            <a:chExt cx="6256563" cy="4778154"/>
           </a:xfrm>
         </p:grpSpPr>
         <p:pic>
           <p:nvPicPr>
-            <p:cNvPr id="5" name="Picture 4">
+            <p:cNvPr id="4" name="Picture 3">
               <a:extLst>
                 <a:ext uri="{FF2B5EF4-FFF2-40B4-BE49-F238E27FC236}">
-                  <a16:creationId xmlns:a16="http://schemas.microsoft.com/office/drawing/2014/main" id="{1564F4F6-A555-4EE1-8233-5204559BCCBC}"/>
+                  <a16:creationId xmlns:a16="http://schemas.microsoft.com/office/drawing/2014/main" id="{B2760944-FC27-4C20-9218-311D6372A52F}"/>
                 </a:ext>
               </a:extLst>
             </p:cNvPr>
@@ -6684,8 +6685,8 @@
           </p:blipFill>
           <p:spPr>
             <a:xfrm>
-              <a:off x="2982960" y="990388"/>
-              <a:ext cx="6226080" cy="4877223"/>
+              <a:off x="2967719" y="1039923"/>
+              <a:ext cx="6256562" cy="4778154"/>
             </a:xfrm>
             <a:prstGeom prst="rect">
               <a:avLst/>
@@ -6694,10 +6695,10 @@
         </p:pic>
         <p:sp>
           <p:nvSpPr>
-            <p:cNvPr id="27" name="Rectangle 26">
+            <p:cNvPr id="28" name="Rectangle 27">
               <a:extLst>
                 <a:ext uri="{FF2B5EF4-FFF2-40B4-BE49-F238E27FC236}">
-                  <a16:creationId xmlns:a16="http://schemas.microsoft.com/office/drawing/2014/main" id="{3F4EFD22-2EBA-42D7-8BDC-BDC56D75D7B8}"/>
+                  <a16:creationId xmlns:a16="http://schemas.microsoft.com/office/drawing/2014/main" id="{5484B792-4C50-41B9-A54F-B8659E821B9C}"/>
                 </a:ext>
               </a:extLst>
             </p:cNvPr>
@@ -6706,8 +6707,8 @@
           </p:nvSpPr>
           <p:spPr>
             <a:xfrm>
-              <a:off x="2982959" y="1676819"/>
-              <a:ext cx="6233700" cy="2611253"/>
+              <a:off x="2967720" y="1716074"/>
+              <a:ext cx="6256562" cy="2531479"/>
             </a:xfrm>
             <a:prstGeom prst="rect">
               <a:avLst/>
@@ -6750,10 +6751,10 @@
       </p:grpSp>
       <p:grpSp>
         <p:nvGrpSpPr>
-          <p:cNvPr id="16" name="Group 15">
+          <p:cNvPr id="15" name="Group 14">
             <a:extLst>
               <a:ext uri="{FF2B5EF4-FFF2-40B4-BE49-F238E27FC236}">
-                <a16:creationId xmlns:a16="http://schemas.microsoft.com/office/drawing/2014/main" id="{B7496B8C-DD00-42DE-AD07-B30016AD2B4D}"/>
+                <a16:creationId xmlns:a16="http://schemas.microsoft.com/office/drawing/2014/main" id="{60BD9AEF-0550-40BF-8D68-968A86C7D35A}"/>
               </a:ext>
             </a:extLst>
           </p:cNvPr>
@@ -6762,18 +6763,18 @@
         </p:nvGrpSpPr>
         <p:grpSpPr>
           <a:xfrm>
-            <a:off x="171636" y="764895"/>
-            <a:ext cx="3636878" cy="2690210"/>
-            <a:chOff x="2966681" y="1020871"/>
-            <a:chExt cx="6257600" cy="4816257"/>
+            <a:off x="8450781" y="698499"/>
+            <a:ext cx="3622955" cy="2652565"/>
+            <a:chOff x="2979150" y="994199"/>
+            <a:chExt cx="6233700" cy="4869602"/>
           </a:xfrm>
         </p:grpSpPr>
         <p:pic>
           <p:nvPicPr>
-            <p:cNvPr id="13" name="Picture 12">
+            <p:cNvPr id="14" name="Picture 13">
               <a:extLst>
                 <a:ext uri="{FF2B5EF4-FFF2-40B4-BE49-F238E27FC236}">
-                  <a16:creationId xmlns:a16="http://schemas.microsoft.com/office/drawing/2014/main" id="{9FA47FAE-AE18-4787-B94B-FB4BC5C767A1}"/>
+                  <a16:creationId xmlns:a16="http://schemas.microsoft.com/office/drawing/2014/main" id="{2535DA9E-C982-433A-98CC-3F930EE2D943}"/>
                 </a:ext>
               </a:extLst>
             </p:cNvPr>
@@ -6790,8 +6791,8 @@
           </p:blipFill>
           <p:spPr>
             <a:xfrm>
-              <a:off x="2967719" y="1020871"/>
-              <a:ext cx="6256562" cy="4816257"/>
+              <a:off x="2979150" y="994199"/>
+              <a:ext cx="6233700" cy="4869602"/>
             </a:xfrm>
             <a:prstGeom prst="rect">
               <a:avLst/>
@@ -6800,10 +6801,10 @@
         </p:pic>
         <p:sp>
           <p:nvSpPr>
-            <p:cNvPr id="33" name="Rectangle 32">
+            <p:cNvPr id="34" name="Rectangle 33">
               <a:extLst>
                 <a:ext uri="{FF2B5EF4-FFF2-40B4-BE49-F238E27FC236}">
-                  <a16:creationId xmlns:a16="http://schemas.microsoft.com/office/drawing/2014/main" id="{73D0410F-345D-4F50-B618-E12DFD0603D9}"/>
+                  <a16:creationId xmlns:a16="http://schemas.microsoft.com/office/drawing/2014/main" id="{1E2B5769-2C2A-43E1-9E3C-4FDF5347CFF5}"/>
                 </a:ext>
               </a:extLst>
             </p:cNvPr>
@@ -6812,8 +6813,8 @@
           </p:nvSpPr>
           <p:spPr>
             <a:xfrm>
-              <a:off x="2966681" y="1681154"/>
-              <a:ext cx="6256561" cy="2619656"/>
+              <a:off x="2979150" y="1715209"/>
+              <a:ext cx="6233700" cy="2466174"/>
             </a:xfrm>
             <a:prstGeom prst="rect">
               <a:avLst/>
@@ -6856,10 +6857,10 @@
       </p:grpSp>
       <p:grpSp>
         <p:nvGrpSpPr>
-          <p:cNvPr id="29" name="Group 28">
+          <p:cNvPr id="19" name="Group 18">
             <a:extLst>
               <a:ext uri="{FF2B5EF4-FFF2-40B4-BE49-F238E27FC236}">
-                <a16:creationId xmlns:a16="http://schemas.microsoft.com/office/drawing/2014/main" id="{3F04179E-276C-4882-A925-9615A283E617}"/>
+                <a16:creationId xmlns:a16="http://schemas.microsoft.com/office/drawing/2014/main" id="{AE3DFB20-0994-42B3-B334-4B8A4FD5EA40}"/>
               </a:ext>
             </a:extLst>
           </p:cNvPr>
@@ -6868,18 +6869,18 @@
         </p:nvGrpSpPr>
         <p:grpSpPr>
           <a:xfrm>
-            <a:off x="4589718" y="651459"/>
-            <a:ext cx="3781874" cy="2679984"/>
-            <a:chOff x="4589718" y="651459"/>
-            <a:chExt cx="3781874" cy="2679984"/>
+            <a:off x="4741658" y="3390252"/>
+            <a:ext cx="3645019" cy="2892092"/>
+            <a:chOff x="2979150" y="1020871"/>
+            <a:chExt cx="6233700" cy="4816257"/>
           </a:xfrm>
         </p:grpSpPr>
         <p:pic>
           <p:nvPicPr>
-            <p:cNvPr id="22" name="Picture 21">
+            <p:cNvPr id="18" name="Picture 17">
               <a:extLst>
                 <a:ext uri="{FF2B5EF4-FFF2-40B4-BE49-F238E27FC236}">
-                  <a16:creationId xmlns:a16="http://schemas.microsoft.com/office/drawing/2014/main" id="{032FC7F4-368D-4951-AE27-E073691911A1}"/>
+                  <a16:creationId xmlns:a16="http://schemas.microsoft.com/office/drawing/2014/main" id="{B7BF1C1A-CAA0-408B-82C5-FE1F7BCA39AB}"/>
                 </a:ext>
               </a:extLst>
             </p:cNvPr>
@@ -6888,15 +6889,16 @@
             </p:cNvPicPr>
             <p:nvPr/>
           </p:nvPicPr>
-          <p:blipFill rotWithShape="1">
+          <p:blipFill>
             <a:blip r:embed="rId5"/>
-            <a:srcRect r="2189"/>
-            <a:stretch/>
+            <a:stretch>
+              <a:fillRect/>
+            </a:stretch>
           </p:blipFill>
           <p:spPr>
             <a:xfrm>
-              <a:off x="4589719" y="651459"/>
-              <a:ext cx="3781873" cy="2679984"/>
+              <a:off x="2979150" y="1020871"/>
+              <a:ext cx="6233700" cy="4816257"/>
             </a:xfrm>
             <a:prstGeom prst="rect">
               <a:avLst/>
@@ -6905,10 +6907,10 @@
         </p:pic>
         <p:sp>
           <p:nvSpPr>
-            <p:cNvPr id="43" name="Rectangle 42">
+            <p:cNvPr id="37" name="Rectangle 36">
               <a:extLst>
                 <a:ext uri="{FF2B5EF4-FFF2-40B4-BE49-F238E27FC236}">
-                  <a16:creationId xmlns:a16="http://schemas.microsoft.com/office/drawing/2014/main" id="{F180BD15-233A-4703-BBDF-96229B98BA4A}"/>
+                  <a16:creationId xmlns:a16="http://schemas.microsoft.com/office/drawing/2014/main" id="{BE13701E-255A-48C4-872F-CF564721C733}"/>
                 </a:ext>
               </a:extLst>
             </p:cNvPr>
@@ -6917,8 +6919,8 @@
           </p:nvSpPr>
           <p:spPr>
             <a:xfrm>
-              <a:off x="4589718" y="1026406"/>
-              <a:ext cx="3781839" cy="1471692"/>
+              <a:off x="2979150" y="1696449"/>
+              <a:ext cx="6233700" cy="2476054"/>
             </a:xfrm>
             <a:prstGeom prst="rect">
               <a:avLst/>
@@ -6961,10 +6963,10 @@
       </p:grpSp>
       <p:grpSp>
         <p:nvGrpSpPr>
-          <p:cNvPr id="45" name="Group 44">
+          <p:cNvPr id="31" name="Group 30">
             <a:extLst>
               <a:ext uri="{FF2B5EF4-FFF2-40B4-BE49-F238E27FC236}">
-                <a16:creationId xmlns:a16="http://schemas.microsoft.com/office/drawing/2014/main" id="{968270D1-6ECF-4D56-BC59-242FC7EB3947}"/>
+                <a16:creationId xmlns:a16="http://schemas.microsoft.com/office/drawing/2014/main" id="{9B6B8927-B7CD-40F8-BE0E-318A3C96C61C}"/>
               </a:ext>
             </a:extLst>
           </p:cNvPr>
@@ -6973,18 +6975,18 @@
         </p:nvGrpSpPr>
         <p:grpSpPr>
           <a:xfrm>
-            <a:off x="8456200" y="651459"/>
-            <a:ext cx="3639599" cy="2679984"/>
-            <a:chOff x="6809141" y="691534"/>
-            <a:chExt cx="6256564" cy="4816257"/>
+            <a:off x="4743186" y="698499"/>
+            <a:ext cx="3622955" cy="2633904"/>
+            <a:chOff x="4743186" y="698499"/>
+            <a:chExt cx="3622955" cy="2633904"/>
           </a:xfrm>
         </p:grpSpPr>
         <p:pic>
           <p:nvPicPr>
-            <p:cNvPr id="44" name="Picture 43">
+            <p:cNvPr id="23" name="Picture 22">
               <a:extLst>
                 <a:ext uri="{FF2B5EF4-FFF2-40B4-BE49-F238E27FC236}">
-                  <a16:creationId xmlns:a16="http://schemas.microsoft.com/office/drawing/2014/main" id="{1133F80E-7539-4E9A-A3BE-859FFF55A8FF}"/>
+                  <a16:creationId xmlns:a16="http://schemas.microsoft.com/office/drawing/2014/main" id="{59662D5D-60BE-4D9D-B4DA-5314048EE598}"/>
                 </a:ext>
               </a:extLst>
             </p:cNvPr>
@@ -7001,8 +7003,8 @@
           </p:blipFill>
           <p:spPr>
             <a:xfrm>
-              <a:off x="6809143" y="691534"/>
-              <a:ext cx="6256562" cy="4816257"/>
+              <a:off x="4743186" y="698499"/>
+              <a:ext cx="3622955" cy="2633904"/>
             </a:xfrm>
             <a:prstGeom prst="rect">
               <a:avLst/>
@@ -7011,10 +7013,10 @@
         </p:pic>
         <p:sp>
           <p:nvSpPr>
-            <p:cNvPr id="49" name="Rectangle 48">
+            <p:cNvPr id="42" name="Rectangle 41">
               <a:extLst>
                 <a:ext uri="{FF2B5EF4-FFF2-40B4-BE49-F238E27FC236}">
-                  <a16:creationId xmlns:a16="http://schemas.microsoft.com/office/drawing/2014/main" id="{1EA94672-D0AA-4A3A-B3DC-A0122D62BE0B}"/>
+                  <a16:creationId xmlns:a16="http://schemas.microsoft.com/office/drawing/2014/main" id="{63E09673-6F53-4630-A5D5-9E6236A89664}"/>
                 </a:ext>
               </a:extLst>
             </p:cNvPr>
@@ -7023,220 +7025,8 @@
           </p:nvSpPr>
           <p:spPr>
             <a:xfrm>
-              <a:off x="6809141" y="1350209"/>
-              <a:ext cx="6256540" cy="2616908"/>
-            </a:xfrm>
-            <a:prstGeom prst="rect">
-              <a:avLst/>
-            </a:prstGeom>
-            <a:blipFill>
-              <a:blip r:embed="rId3">
-                <a:alphaModFix amt="50000"/>
-              </a:blip>
-              <a:tile tx="0" ty="0" sx="100000" sy="100000" flip="none" algn="tl"/>
-            </a:blipFill>
-            <a:ln>
-              <a:noFill/>
-            </a:ln>
-          </p:spPr>
-          <p:style>
-            <a:lnRef idx="2">
-              <a:schemeClr val="accent1">
-                <a:shade val="50000"/>
-              </a:schemeClr>
-            </a:lnRef>
-            <a:fillRef idx="1">
-              <a:schemeClr val="accent1"/>
-            </a:fillRef>
-            <a:effectRef idx="0">
-              <a:schemeClr val="accent1"/>
-            </a:effectRef>
-            <a:fontRef idx="minor">
-              <a:schemeClr val="lt1"/>
-            </a:fontRef>
-          </p:style>
-          <p:txBody>
-            <a:bodyPr rtlCol="0" anchor="ctr"/>
-            <a:lstStyle/>
-            <a:p>
-              <a:pPr algn="ctr"/>
-              <a:endParaRPr lang="en-US"/>
-            </a:p>
-          </p:txBody>
-        </p:sp>
-      </p:grpSp>
-      <p:grpSp>
-        <p:nvGrpSpPr>
-          <p:cNvPr id="53" name="Group 52">
-            <a:extLst>
-              <a:ext uri="{FF2B5EF4-FFF2-40B4-BE49-F238E27FC236}">
-                <a16:creationId xmlns:a16="http://schemas.microsoft.com/office/drawing/2014/main" id="{80430BB7-80B2-4EC4-8F02-34DA563E5AD9}"/>
-              </a:ext>
-            </a:extLst>
-          </p:cNvPr>
-          <p:cNvGrpSpPr/>
-          <p:nvPr/>
-        </p:nvGrpSpPr>
-        <p:grpSpPr>
-          <a:xfrm>
-            <a:off x="4589718" y="3390252"/>
-            <a:ext cx="3781834" cy="2892093"/>
-            <a:chOff x="2966681" y="1001819"/>
-            <a:chExt cx="6257600" cy="4854361"/>
-          </a:xfrm>
-        </p:grpSpPr>
-        <p:pic>
-          <p:nvPicPr>
-            <p:cNvPr id="51" name="Picture 50">
-              <a:extLst>
-                <a:ext uri="{FF2B5EF4-FFF2-40B4-BE49-F238E27FC236}">
-                  <a16:creationId xmlns:a16="http://schemas.microsoft.com/office/drawing/2014/main" id="{74C759E5-B111-4669-B5C9-C46089177D93}"/>
-                </a:ext>
-              </a:extLst>
-            </p:cNvPr>
-            <p:cNvPicPr>
-              <a:picLocks noChangeAspect="1"/>
-            </p:cNvPicPr>
-            <p:nvPr/>
-          </p:nvPicPr>
-          <p:blipFill>
-            <a:blip r:embed="rId7"/>
-            <a:stretch>
-              <a:fillRect/>
-            </a:stretch>
-          </p:blipFill>
-          <p:spPr>
-            <a:xfrm>
-              <a:off x="2967719" y="1001819"/>
-              <a:ext cx="6256562" cy="4854361"/>
-            </a:xfrm>
-            <a:prstGeom prst="rect">
-              <a:avLst/>
-            </a:prstGeom>
-          </p:spPr>
-        </p:pic>
-        <p:sp>
-          <p:nvSpPr>
-            <p:cNvPr id="52" name="Rectangle 51">
-              <a:extLst>
-                <a:ext uri="{FF2B5EF4-FFF2-40B4-BE49-F238E27FC236}">
-                  <a16:creationId xmlns:a16="http://schemas.microsoft.com/office/drawing/2014/main" id="{DB60F8E1-908E-474D-ADD5-726C4270C016}"/>
-                </a:ext>
-              </a:extLst>
-            </p:cNvPr>
-            <p:cNvSpPr/>
-            <p:nvPr/>
-          </p:nvSpPr>
-          <p:spPr>
-            <a:xfrm>
-              <a:off x="2966681" y="1668437"/>
-              <a:ext cx="6256561" cy="2592597"/>
-            </a:xfrm>
-            <a:prstGeom prst="rect">
-              <a:avLst/>
-            </a:prstGeom>
-            <a:blipFill>
-              <a:blip r:embed="rId3">
-                <a:alphaModFix amt="50000"/>
-              </a:blip>
-              <a:tile tx="0" ty="0" sx="100000" sy="100000" flip="none" algn="tl"/>
-            </a:blipFill>
-            <a:ln>
-              <a:noFill/>
-            </a:ln>
-          </p:spPr>
-          <p:style>
-            <a:lnRef idx="2">
-              <a:schemeClr val="accent1">
-                <a:shade val="50000"/>
-              </a:schemeClr>
-            </a:lnRef>
-            <a:fillRef idx="1">
-              <a:schemeClr val="accent1"/>
-            </a:fillRef>
-            <a:effectRef idx="0">
-              <a:schemeClr val="accent1"/>
-            </a:effectRef>
-            <a:fontRef idx="minor">
-              <a:schemeClr val="lt1"/>
-            </a:fontRef>
-          </p:style>
-          <p:txBody>
-            <a:bodyPr rtlCol="0" anchor="ctr"/>
-            <a:lstStyle/>
-            <a:p>
-              <a:pPr algn="ctr"/>
-              <a:endParaRPr lang="en-US"/>
-            </a:p>
-          </p:txBody>
-        </p:sp>
-      </p:grpSp>
-      <p:grpSp>
-        <p:nvGrpSpPr>
-          <p:cNvPr id="57" name="Group 56">
-            <a:extLst>
-              <a:ext uri="{FF2B5EF4-FFF2-40B4-BE49-F238E27FC236}">
-                <a16:creationId xmlns:a16="http://schemas.microsoft.com/office/drawing/2014/main" id="{527C82FF-1BE2-4E91-B01D-305660D8ACEE}"/>
-              </a:ext>
-            </a:extLst>
-          </p:cNvPr>
-          <p:cNvGrpSpPr/>
-          <p:nvPr/>
-        </p:nvGrpSpPr>
-        <p:grpSpPr>
-          <a:xfrm>
-            <a:off x="8450782" y="3390252"/>
-            <a:ext cx="3649480" cy="2892092"/>
-            <a:chOff x="2982960" y="1001819"/>
-            <a:chExt cx="6233700" cy="4854361"/>
-          </a:xfrm>
-        </p:grpSpPr>
-        <p:pic>
-          <p:nvPicPr>
-            <p:cNvPr id="55" name="Picture 54">
-              <a:extLst>
-                <a:ext uri="{FF2B5EF4-FFF2-40B4-BE49-F238E27FC236}">
-                  <a16:creationId xmlns:a16="http://schemas.microsoft.com/office/drawing/2014/main" id="{D161D075-4408-4D5A-88C6-D841AEE1B926}"/>
-                </a:ext>
-              </a:extLst>
-            </p:cNvPr>
-            <p:cNvPicPr>
-              <a:picLocks noChangeAspect="1"/>
-            </p:cNvPicPr>
-            <p:nvPr/>
-          </p:nvPicPr>
-          <p:blipFill>
-            <a:blip r:embed="rId8"/>
-            <a:stretch>
-              <a:fillRect/>
-            </a:stretch>
-          </p:blipFill>
-          <p:spPr>
-            <a:xfrm>
-              <a:off x="2982960" y="1001819"/>
-              <a:ext cx="6226080" cy="4854361"/>
-            </a:xfrm>
-            <a:prstGeom prst="rect">
-              <a:avLst/>
-            </a:prstGeom>
-          </p:spPr>
-        </p:pic>
-        <p:sp>
-          <p:nvSpPr>
-            <p:cNvPr id="56" name="Rectangle 55">
-              <a:extLst>
-                <a:ext uri="{FF2B5EF4-FFF2-40B4-BE49-F238E27FC236}">
-                  <a16:creationId xmlns:a16="http://schemas.microsoft.com/office/drawing/2014/main" id="{C4048851-6E7F-4FAC-AC23-71216AA7865A}"/>
-                </a:ext>
-              </a:extLst>
-            </p:cNvPr>
-            <p:cNvSpPr/>
-            <p:nvPr/>
-          </p:nvSpPr>
-          <p:spPr>
-            <a:xfrm>
-              <a:off x="2982960" y="1668437"/>
-              <a:ext cx="6233700" cy="2748294"/>
+              <a:off x="4743186" y="1064776"/>
+              <a:ext cx="3602420" cy="1325893"/>
             </a:xfrm>
             <a:prstGeom prst="rect">
               <a:avLst/>
@@ -7439,61 +7229,6 @@
           </p:spPr>
         </p:pic>
       </p:grpSp>
-      <p:sp>
-        <p:nvSpPr>
-          <p:cNvPr id="6" name="Rectangle 5">
-            <a:extLst>
-              <a:ext uri="{FF2B5EF4-FFF2-40B4-BE49-F238E27FC236}">
-                <a16:creationId xmlns:a16="http://schemas.microsoft.com/office/drawing/2014/main" id="{F39E0845-01EF-4665-84C0-1EA14E03BD33}"/>
-              </a:ext>
-            </a:extLst>
-          </p:cNvPr>
-          <p:cNvSpPr/>
-          <p:nvPr/>
-        </p:nvSpPr>
-        <p:spPr>
-          <a:xfrm>
-            <a:off x="1197113" y="160338"/>
-            <a:ext cx="6233700" cy="2748294"/>
-          </a:xfrm>
-          <a:prstGeom prst="rect">
-            <a:avLst/>
-          </a:prstGeom>
-          <a:blipFill>
-            <a:blip r:embed="rId3">
-              <a:alphaModFix amt="50000"/>
-            </a:blip>
-            <a:tile tx="0" ty="0" sx="100000" sy="100000" flip="none" algn="tl"/>
-          </a:blipFill>
-          <a:ln>
-            <a:noFill/>
-          </a:ln>
-        </p:spPr>
-        <p:style>
-          <a:lnRef idx="2">
-            <a:schemeClr val="accent1">
-              <a:shade val="50000"/>
-            </a:schemeClr>
-          </a:lnRef>
-          <a:fillRef idx="1">
-            <a:schemeClr val="accent1"/>
-          </a:fillRef>
-          <a:effectRef idx="0">
-            <a:schemeClr val="accent1"/>
-          </a:effectRef>
-          <a:fontRef idx="minor">
-            <a:schemeClr val="lt1"/>
-          </a:fontRef>
-        </p:style>
-        <p:txBody>
-          <a:bodyPr rtlCol="0" anchor="ctr"/>
-          <a:lstStyle/>
-          <a:p>
-            <a:pPr algn="ctr"/>
-            <a:endParaRPr lang="en-US"/>
-          </a:p>
-        </p:txBody>
-      </p:sp>
     </p:spTree>
   </p:cSld>
   <p:clrMapOvr>
